--- a/Lectures/5 Announcements.pptx
+++ b/Lectures/5 Announcements.pptx
@@ -14,7 +14,7 @@
     <p:sldId id="256" r:id="rId2"/>
     <p:sldId id="257" r:id="rId3"/>
     <p:sldId id="258" r:id="rId4"/>
-    <p:sldId id="259" r:id="rId5"/>
+    <p:sldId id="261" r:id="rId5"/>
     <p:sldId id="260" r:id="rId6"/>
   </p:sldIdLst>
   <p:sldSz cx="9144000" cy="6858000" type="screen4x3"/>
@@ -199,7 +199,7 @@
           <a:p>
             <a:fld id="{D3AAB66F-B1B7-D045-B4E8-4F60236F228D}" type="datetimeFigureOut">
               <a:rPr lang="en-US" smtClean="0"/>
-              <a:t>1/25/15</a:t>
+              <a:t>1/22/16</a:t>
             </a:fld>
             <a:endParaRPr lang="en-US"/>
           </a:p>
@@ -365,7 +365,7 @@
           <a:p>
             <a:fld id="{BCCF8E76-06A6-164E-A6FA-EC32C13EB232}" type="datetimeFigureOut">
               <a:rPr lang="en-US" smtClean="0"/>
-              <a:t>1/25/15</a:t>
+              <a:t>1/22/16</a:t>
             </a:fld>
             <a:endParaRPr lang="en-US"/>
           </a:p>
@@ -1151,7 +1151,7 @@
             <a:fld id="{FA3C144B-2939-9A49-B014-915EC3E81866}" type="datetime1">
               <a:rPr lang="en-US" smtClean="0"/>
               <a:pPr/>
-              <a:t>1/25/15</a:t>
+              <a:t>1/22/16</a:t>
             </a:fld>
             <a:endParaRPr lang="en-US" dirty="0"/>
           </a:p>
@@ -1580,7 +1580,7 @@
           <a:p>
             <a:fld id="{76838339-A875-5E45-AB3F-AAABD270346A}" type="datetime1">
               <a:rPr lang="en-US" smtClean="0"/>
-              <a:t>1/25/15</a:t>
+              <a:t>1/22/16</a:t>
             </a:fld>
             <a:endParaRPr lang="en-US"/>
           </a:p>
@@ -1866,7 +1866,7 @@
             <a:fld id="{FA3C144B-2939-9A49-B014-915EC3E81866}" type="datetime1">
               <a:rPr lang="en-US" smtClean="0"/>
               <a:pPr/>
-              <a:t>1/25/15</a:t>
+              <a:t>1/22/16</a:t>
             </a:fld>
             <a:endParaRPr lang="en-US" dirty="0"/>
           </a:p>
@@ -2348,7 +2348,7 @@
           <a:p>
             <a:fld id="{A73F672F-A5FB-5745-934A-1BF51CA5539C}" type="datetime1">
               <a:rPr lang="en-US" smtClean="0"/>
-              <a:t>1/25/15</a:t>
+              <a:t>1/22/16</a:t>
             </a:fld>
             <a:endParaRPr lang="en-US"/>
           </a:p>
@@ -2690,7 +2690,7 @@
             <a:fld id="{FA3C144B-2939-9A49-B014-915EC3E81866}" type="datetime1">
               <a:rPr lang="en-US" smtClean="0"/>
               <a:pPr/>
-              <a:t>1/25/15</a:t>
+              <a:t>1/22/16</a:t>
             </a:fld>
             <a:endParaRPr lang="en-US" dirty="0"/>
           </a:p>
@@ -3154,7 +3154,7 @@
           <a:p>
             <a:fld id="{6AFE6A63-5EBE-3E48-B0AE-DF655A1ECE76}" type="datetime1">
               <a:rPr lang="en-US" smtClean="0"/>
-              <a:t>1/25/15</a:t>
+              <a:t>1/22/16</a:t>
             </a:fld>
             <a:endParaRPr lang="en-US"/>
           </a:p>
@@ -3473,7 +3473,7 @@
           <a:p>
             <a:fld id="{4A019F0C-9D18-B54A-9AC9-18AA74EDB034}" type="datetime1">
               <a:rPr lang="en-US" smtClean="0"/>
-              <a:t>1/25/15</a:t>
+              <a:t>1/22/16</a:t>
             </a:fld>
             <a:endParaRPr lang="en-US"/>
           </a:p>
@@ -3783,7 +3783,7 @@
             <a:fld id="{FA3C144B-2939-9A49-B014-915EC3E81866}" type="datetime1">
               <a:rPr lang="en-US" smtClean="0"/>
               <a:pPr/>
-              <a:t>1/25/15</a:t>
+              <a:t>1/22/16</a:t>
             </a:fld>
             <a:endParaRPr lang="en-US" dirty="0"/>
           </a:p>
@@ -4046,7 +4046,7 @@
           <a:p>
             <a:fld id="{FA3C144B-2939-9A49-B014-915EC3E81866}" type="datetime1">
               <a:rPr lang="en-US" smtClean="0"/>
-              <a:t>1/25/15</a:t>
+              <a:t>1/22/16</a:t>
             </a:fld>
             <a:endParaRPr lang="en-US" dirty="0"/>
           </a:p>
@@ -4414,7 +4414,7 @@
           <a:p>
             <a:fld id="{7053BEFA-1175-F644-B249-7D41D72BD3FF}" type="datetime1">
               <a:rPr lang="en-US" smtClean="0"/>
-              <a:t>1/25/15</a:t>
+              <a:t>1/22/16</a:t>
             </a:fld>
             <a:endParaRPr lang="en-US"/>
           </a:p>
@@ -4533,7 +4533,7 @@
             <a:fld id="{FA3C144B-2939-9A49-B014-915EC3E81866}" type="datetime1">
               <a:rPr lang="en-US" smtClean="0"/>
               <a:pPr/>
-              <a:t>1/25/15</a:t>
+              <a:t>1/22/16</a:t>
             </a:fld>
             <a:endParaRPr lang="en-US" dirty="0"/>
           </a:p>
@@ -4750,7 +4750,7 @@
             <a:fld id="{FA3C144B-2939-9A49-B014-915EC3E81866}" type="datetime1">
               <a:rPr lang="en-US" smtClean="0"/>
               <a:pPr/>
-              <a:t>1/25/15</a:t>
+              <a:t>1/22/16</a:t>
             </a:fld>
             <a:endParaRPr lang="en-US" dirty="0"/>
           </a:p>
@@ -4995,7 +4995,7 @@
             <a:fld id="{FA3C144B-2939-9A49-B014-915EC3E81866}" type="datetime1">
               <a:rPr lang="en-US" smtClean="0"/>
               <a:pPr/>
-              <a:t>1/25/15</a:t>
+              <a:t>1/22/16</a:t>
             </a:fld>
             <a:endParaRPr lang="en-US" dirty="0"/>
           </a:p>
@@ -5373,7 +5373,7 @@
           <a:p>
             <a:fld id="{111EEF3B-ABF2-AA4E-9E24-0C6256942674}" type="datetime1">
               <a:rPr lang="en-US" smtClean="0"/>
-              <a:t>1/25/15</a:t>
+              <a:t>1/22/16</a:t>
             </a:fld>
             <a:endParaRPr lang="en-US"/>
           </a:p>
@@ -5537,7 +5537,7 @@
             <a:fld id="{FA3C144B-2939-9A49-B014-915EC3E81866}" type="datetime1">
               <a:rPr lang="en-US" smtClean="0"/>
               <a:pPr/>
-              <a:t>1/25/15</a:t>
+              <a:t>1/22/16</a:t>
             </a:fld>
             <a:endParaRPr lang="en-US" dirty="0"/>
           </a:p>
@@ -5954,7 +5954,7 @@
             <a:fld id="{FA3C144B-2939-9A49-B014-915EC3E81866}" type="datetime1">
               <a:rPr lang="en-US" smtClean="0"/>
               <a:pPr/>
-              <a:t>1/25/15</a:t>
+              <a:t>1/22/16</a:t>
             </a:fld>
             <a:endParaRPr lang="en-US" dirty="0"/>
           </a:p>
@@ -6270,7 +6270,7 @@
             <a:fld id="{FA3C144B-2939-9A49-B014-915EC3E81866}" type="datetime1">
               <a:rPr lang="en-US" smtClean="0"/>
               <a:pPr/>
-              <a:t>1/25/15</a:t>
+              <a:t>1/22/16</a:t>
             </a:fld>
             <a:endParaRPr lang="en-US" dirty="0"/>
           </a:p>
@@ -6936,7 +6936,7 @@
             <a:fld id="{FA3C144B-2939-9A49-B014-915EC3E81866}" type="datetime1">
               <a:rPr lang="en-US" smtClean="0"/>
               <a:pPr/>
-              <a:t>1/25/15</a:t>
+              <a:t>1/22/16</a:t>
             </a:fld>
             <a:endParaRPr lang="en-US" dirty="0"/>
           </a:p>
@@ -8066,7 +8066,7 @@
           <a:p>
             <a:fld id="{7053BEFA-1175-F644-B249-7D41D72BD3FF}" type="datetime1">
               <a:rPr lang="en-US" smtClean="0"/>
-              <a:t>1/25/15</a:t>
+              <a:t>1/22/16</a:t>
             </a:fld>
             <a:endParaRPr lang="en-US"/>
           </a:p>
@@ -8168,11 +8168,7 @@
           <a:p>
             <a:r>
               <a:rPr lang="en-US" dirty="0" smtClean="0"/>
-              <a:t>HW </a:t>
-            </a:r>
-            <a:r>
-              <a:rPr lang="en-US" dirty="0" err="1" smtClean="0"/>
-              <a:t>Handin</a:t>
+              <a:t>Byte 1 Grading</a:t>
             </a:r>
             <a:endParaRPr lang="en-US" dirty="0"/>
           </a:p>
@@ -8193,16 +8189,32 @@
           <a:bodyPr/>
           <a:lstStyle/>
           <a:p>
-            <a:r>
-              <a:rPr lang="en-US" dirty="0" smtClean="0"/>
-              <a:t>Can use an anonymous id</a:t>
-            </a:r>
-          </a:p>
-          <a:p>
-            <a:r>
-              <a:rPr lang="en-US" dirty="0" smtClean="0"/>
-              <a:t>Remember that not completing peer review affects your grade</a:t>
-            </a:r>
+            <a:pPr marL="0" indent="0">
+              <a:buNone/>
+            </a:pPr>
+            <a:r>
+              <a:rPr lang="en-US" dirty="0" smtClean="0"/>
+              <a:t>80% average of your peers</a:t>
+            </a:r>
+          </a:p>
+          <a:p>
+            <a:pPr marL="0" indent="0">
+              <a:buNone/>
+            </a:pPr>
+            <a:r>
+              <a:rPr lang="en-US" dirty="0" smtClean="0"/>
+              <a:t>10% based on whether you graded peers AND gave feedback at least some of </a:t>
+            </a:r>
+            <a:r>
+              <a:rPr lang="en-US" smtClean="0"/>
+              <a:t>the time</a:t>
+            </a:r>
+            <a:endParaRPr lang="en-US" dirty="0" smtClean="0"/>
+          </a:p>
+          <a:p>
+            <a:pPr marL="0" indent="0">
+              <a:buNone/>
+            </a:pPr>
             <a:endParaRPr lang="en-US" dirty="0"/>
           </a:p>
         </p:txBody>
@@ -8224,7 +8236,7 @@
           <a:p>
             <a:fld id="{7053BEFA-1175-F644-B249-7D41D72BD3FF}" type="datetime1">
               <a:rPr lang="en-US" smtClean="0"/>
-              <a:t>1/25/15</a:t>
+              <a:t>1/22/16</a:t>
             </a:fld>
             <a:endParaRPr lang="en-US"/>
           </a:p>
@@ -8326,7 +8338,7 @@
           <a:p>
             <a:r>
               <a:rPr lang="en-US" dirty="0" smtClean="0"/>
-              <a:t>Quizzes</a:t>
+              <a:t>Byte 1 Grading</a:t>
             </a:r>
             <a:endParaRPr lang="en-US" dirty="0"/>
           </a:p>
@@ -8347,19 +8359,77 @@
           <a:bodyPr/>
           <a:lstStyle/>
           <a:p>
-            <a:r>
-              <a:rPr lang="en-US" dirty="0" smtClean="0"/>
-              <a:t>About one per week</a:t>
-            </a:r>
-          </a:p>
-          <a:p>
-            <a:r>
-              <a:rPr lang="en-US" dirty="0" smtClean="0"/>
-              <a:t>Drop Lowest 2</a:t>
-            </a:r>
-          </a:p>
-          <a:p>
-            <a:endParaRPr lang="en-US" dirty="0"/>
+            <a:pPr marL="0" indent="0">
+              <a:buNone/>
+            </a:pPr>
+            <a:r>
+              <a:rPr lang="en-US" dirty="0"/>
+              <a:t>Peer grades ignored if they gave you a 0 or gave every single person 100% on every single question</a:t>
+            </a:r>
+          </a:p>
+          <a:p>
+            <a:pPr marL="0" indent="0">
+              <a:buNone/>
+            </a:pPr>
+            <a:r>
+              <a:rPr lang="en-US" dirty="0"/>
+              <a:t>I looked carefully at any peer graders with a VERY high </a:t>
+            </a:r>
+            <a:r>
+              <a:rPr lang="en-US" dirty="0" err="1"/>
+              <a:t>std</a:t>
+            </a:r>
+            <a:r>
+              <a:rPr lang="en-US" dirty="0"/>
+              <a:t> </a:t>
+            </a:r>
+            <a:r>
+              <a:rPr lang="en-US" dirty="0" err="1"/>
+              <a:t>dev</a:t>
+            </a:r>
+            <a:r>
+              <a:rPr lang="en-US" dirty="0"/>
+              <a:t> or </a:t>
+            </a:r>
+            <a:r>
+              <a:rPr lang="en-US" dirty="0" smtClean="0"/>
+              <a:t>any ‘</a:t>
+            </a:r>
+            <a:r>
+              <a:rPr lang="en-US" dirty="0" err="1" smtClean="0"/>
+              <a:t>gradees</a:t>
+            </a:r>
+            <a:r>
+              <a:rPr lang="en-US" dirty="0" smtClean="0"/>
+              <a:t>’ </a:t>
+            </a:r>
+            <a:r>
+              <a:rPr lang="en-US" dirty="0"/>
+              <a:t>with a VERY high </a:t>
+            </a:r>
+            <a:r>
+              <a:rPr lang="en-US" dirty="0" err="1"/>
+              <a:t>std</a:t>
+            </a:r>
+            <a:r>
+              <a:rPr lang="en-US" dirty="0"/>
+              <a:t> </a:t>
+            </a:r>
+            <a:r>
+              <a:rPr lang="en-US" dirty="0" err="1"/>
+              <a:t>dev</a:t>
+            </a:r>
+            <a:endParaRPr lang="en-US" dirty="0"/>
+          </a:p>
+          <a:p>
+            <a:pPr marL="0" indent="0">
+              <a:buNone/>
+            </a:pPr>
+            <a:r>
+              <a:rPr lang="en-US" i="1" dirty="0" smtClean="0"/>
+              <a:t>Can you see each other’s feedback after I ‘release’ peer grades? If not I will write a script to share it with you</a:t>
+            </a:r>
+            <a:endParaRPr lang="en-US" i="1" dirty="0" smtClean="0"/>
           </a:p>
         </p:txBody>
       </p:sp>
@@ -8380,7 +8450,7 @@
           <a:p>
             <a:fld id="{7053BEFA-1175-F644-B249-7D41D72BD3FF}" type="datetime1">
               <a:rPr lang="en-US" smtClean="0"/>
-              <a:t>1/25/15</a:t>
+              <a:t>1/23/16</a:t>
             </a:fld>
             <a:endParaRPr lang="en-US"/>
           </a:p>
@@ -8431,7 +8501,7 @@
     </p:spTree>
     <p:extLst>
       <p:ext uri="{BB962C8B-B14F-4D97-AF65-F5344CB8AC3E}">
-        <p14:creationId xmlns:p14="http://schemas.microsoft.com/office/powerpoint/2010/main" val="2235729698"/>
+        <p14:creationId xmlns:p14="http://schemas.microsoft.com/office/powerpoint/2010/main" val="2591907767"/>
       </p:ext>
     </p:extLst>
   </p:cSld>
@@ -8482,7 +8552,15 @@
           <a:p>
             <a:r>
               <a:rPr lang="en-US" dirty="0" smtClean="0"/>
-              <a:t>Byte 2 Examples	</a:t>
+              <a:t>Byte </a:t>
+            </a:r>
+            <a:r>
+              <a:rPr lang="en-US" dirty="0" smtClean="0"/>
+              <a:t>1 </a:t>
+            </a:r>
+            <a:r>
+              <a:rPr lang="en-US" dirty="0" smtClean="0"/>
+              <a:t>Examples	</a:t>
             </a:r>
             <a:endParaRPr lang="en-US" dirty="0"/>
           </a:p>
@@ -8503,96 +8581,6 @@
           <a:bodyPr/>
           <a:lstStyle/>
           <a:p>
-            <a:r>
-              <a:rPr lang="en-US" dirty="0">
-                <a:hlinkClick r:id="rId2"/>
-              </a:rPr>
-              <a:t>http://abourai-byte2.appspot.com</a:t>
-            </a:r>
-            <a:r>
-              <a:rPr lang="en-US" dirty="0" smtClean="0">
-                <a:hlinkClick r:id="rId2"/>
-              </a:rPr>
-              <a:t>/</a:t>
-            </a:r>
-            <a:endParaRPr lang="en-US" dirty="0" smtClean="0"/>
-          </a:p>
-          <a:p>
-            <a:r>
-              <a:rPr lang="en-US" dirty="0">
-                <a:hlinkClick r:id="rId3"/>
-              </a:rPr>
-              <a:t>http://amarella-byte2.appspot.com</a:t>
-            </a:r>
-            <a:r>
-              <a:rPr lang="en-US" dirty="0" smtClean="0">
-                <a:hlinkClick r:id="rId3"/>
-              </a:rPr>
-              <a:t>/</a:t>
-            </a:r>
-            <a:endParaRPr lang="en-US" dirty="0" smtClean="0"/>
-          </a:p>
-          <a:p>
-            <a:r>
-              <a:rPr lang="en-US" dirty="0">
-                <a:hlinkClick r:id="rId4"/>
-              </a:rPr>
-              <a:t>http://jianf-byte2.appspot.com</a:t>
-            </a:r>
-            <a:r>
-              <a:rPr lang="en-US" dirty="0" smtClean="0">
-                <a:hlinkClick r:id="rId4"/>
-              </a:rPr>
-              <a:t>/</a:t>
-            </a:r>
-            <a:endParaRPr lang="en-US" dirty="0" smtClean="0"/>
-          </a:p>
-          <a:p>
-            <a:endParaRPr lang="en-US" dirty="0" smtClean="0"/>
-          </a:p>
-          <a:p>
-            <a:pPr marL="0" indent="0">
-              <a:buNone/>
-            </a:pPr>
-            <a:r>
-              <a:rPr lang="en-US" dirty="0" smtClean="0"/>
-              <a:t>What we learned last year is in the blog</a:t>
-            </a:r>
-            <a:r>
-              <a:rPr lang="en-US" dirty="0"/>
-              <a:t>… but </a:t>
-            </a:r>
-            <a:r>
-              <a:rPr lang="en-US" dirty="0" smtClean="0"/>
-              <a:t>if you read it, try to discover something new, not </a:t>
-            </a:r>
-            <a:r>
-              <a:rPr lang="en-US" smtClean="0"/>
-              <a:t>already there!</a:t>
-            </a:r>
-            <a:endParaRPr lang="en-US" dirty="0" smtClean="0"/>
-          </a:p>
-          <a:p>
-            <a:r>
-              <a:rPr lang="en-US" dirty="0" smtClean="0"/>
-              <a:t>http</a:t>
-            </a:r>
-            <a:r>
-              <a:rPr lang="en-US" dirty="0"/>
-              <a:t>://</a:t>
-            </a:r>
-            <a:r>
-              <a:rPr lang="en-US" dirty="0" err="1"/>
-              <a:t>data.cmubi.org</a:t>
-            </a:r>
-            <a:r>
-              <a:rPr lang="en-US" dirty="0"/>
-              <a:t>/classroom-news/</a:t>
-            </a:r>
-            <a:r>
-              <a:rPr lang="en-US" dirty="0" err="1"/>
-              <a:t>cleaningupanimalshelterdata</a:t>
-            </a:r>
             <a:endParaRPr lang="en-US" dirty="0"/>
           </a:p>
         </p:txBody>
@@ -8614,7 +8602,7 @@
           <a:p>
             <a:fld id="{7053BEFA-1175-F644-B249-7D41D72BD3FF}" type="datetime1">
               <a:rPr lang="en-US" smtClean="0"/>
-              <a:t>1/25/15</a:t>
+              <a:t>1/22/16</a:t>
             </a:fld>
             <a:endParaRPr lang="en-US"/>
           </a:p>

--- a/Lectures/5 Announcements.pptx
+++ b/Lectures/5 Announcements.pptx
@@ -5,17 +5,19 @@
     <p:sldMasterId id="2147483648" r:id="rId1"/>
   </p:sldMasterIdLst>
   <p:notesMasterIdLst>
-    <p:notesMasterId r:id="rId7"/>
+    <p:notesMasterId r:id="rId9"/>
   </p:notesMasterIdLst>
   <p:handoutMasterIdLst>
-    <p:handoutMasterId r:id="rId8"/>
+    <p:handoutMasterId r:id="rId10"/>
   </p:handoutMasterIdLst>
   <p:sldIdLst>
     <p:sldId id="256" r:id="rId2"/>
     <p:sldId id="257" r:id="rId3"/>
-    <p:sldId id="258" r:id="rId4"/>
-    <p:sldId id="261" r:id="rId5"/>
-    <p:sldId id="260" r:id="rId6"/>
+    <p:sldId id="262" r:id="rId4"/>
+    <p:sldId id="263" r:id="rId5"/>
+    <p:sldId id="258" r:id="rId6"/>
+    <p:sldId id="261" r:id="rId7"/>
+    <p:sldId id="260" r:id="rId8"/>
   </p:sldIdLst>
   <p:sldSz cx="9144000" cy="6858000" type="screen4x3"/>
   <p:notesSz cx="6858000" cy="9144000"/>
@@ -199,7 +201,7 @@
           <a:p>
             <a:fld id="{D3AAB66F-B1B7-D045-B4E8-4F60236F228D}" type="datetimeFigureOut">
               <a:rPr lang="en-US" smtClean="0"/>
-              <a:t>1/22/16</a:t>
+              <a:t>1/26/16</a:t>
             </a:fld>
             <a:endParaRPr lang="en-US"/>
           </a:p>
@@ -365,7 +367,7 @@
           <a:p>
             <a:fld id="{BCCF8E76-06A6-164E-A6FA-EC32C13EB232}" type="datetimeFigureOut">
               <a:rPr lang="en-US" smtClean="0"/>
-              <a:t>1/22/16</a:t>
+              <a:t>1/26/16</a:t>
             </a:fld>
             <a:endParaRPr lang="en-US"/>
           </a:p>
@@ -634,6 +636,153 @@
 </p:notesMaster>
 </file>
 
+<file path=ppt/notesSlides/notesSlide1.xml><?xml version="1.0" encoding="utf-8"?>
+<p:notes xmlns:a="http://schemas.openxmlformats.org/drawingml/2006/main" xmlns:r="http://schemas.openxmlformats.org/officeDocument/2006/relationships" xmlns:p="http://schemas.openxmlformats.org/presentationml/2006/main">
+  <p:cSld>
+    <p:spTree>
+      <p:nvGrpSpPr>
+        <p:cNvPr id="1" name=""/>
+        <p:cNvGrpSpPr/>
+        <p:nvPr/>
+      </p:nvGrpSpPr>
+      <p:grpSpPr>
+        <a:xfrm>
+          <a:off x="0" y="0"/>
+          <a:ext cx="0" cy="0"/>
+          <a:chOff x="0" y="0"/>
+          <a:chExt cx="0" cy="0"/>
+        </a:xfrm>
+      </p:grpSpPr>
+      <p:sp>
+        <p:nvSpPr>
+          <p:cNvPr id="2" name="Slide Image Placeholder 1"/>
+          <p:cNvSpPr>
+            <a:spLocks noGrp="1" noRot="1" noChangeAspect="1"/>
+          </p:cNvSpPr>
+          <p:nvPr>
+            <p:ph type="sldImg"/>
+          </p:nvPr>
+        </p:nvSpPr>
+        <p:spPr/>
+      </p:sp>
+      <p:sp>
+        <p:nvSpPr>
+          <p:cNvPr id="3" name="Notes Placeholder 2"/>
+          <p:cNvSpPr>
+            <a:spLocks noGrp="1"/>
+          </p:cNvSpPr>
+          <p:nvPr>
+            <p:ph type="body" idx="1"/>
+          </p:nvPr>
+        </p:nvSpPr>
+        <p:spPr/>
+        <p:txBody>
+          <a:bodyPr/>
+          <a:lstStyle/>
+          <a:p>
+            <a:r>
+              <a:rPr lang="en-US" dirty="0" smtClean="0"/>
+              <a:t>Typical Database Stores				</a:t>
+            </a:r>
+          </a:p>
+          <a:p>
+            <a:r>
+              <a:rPr lang="en-US" dirty="0" smtClean="0"/>
+              <a:t>Typical API Call Returns</a:t>
+            </a:r>
+          </a:p>
+          <a:p>
+            <a:pPr lvl="0"/>
+            <a:r>
+              <a:rPr lang="en-US" dirty="0" smtClean="0"/>
+              <a:t>All data in a single structure</a:t>
+            </a:r>
+          </a:p>
+          <a:p>
+            <a:pPr lvl="0"/>
+            <a:r>
+              <a:rPr lang="en-US" dirty="0" smtClean="0"/>
+              <a:t>Data spread over multiple structures that reference each other</a:t>
+            </a:r>
+          </a:p>
+          <a:p>
+            <a:pPr lvl="0"/>
+            <a:r>
+              <a:rPr lang="en-US" dirty="0" smtClean="0"/>
+              <a:t>JSON or XML [some big data]</a:t>
+            </a:r>
+          </a:p>
+          <a:p>
+            <a:r>
+              <a:rPr lang="en-US" dirty="0" smtClean="0"/>
+              <a:t> </a:t>
+            </a:r>
+          </a:p>
+          <a:p>
+            <a:pPr lvl="0"/>
+            <a:r>
+              <a:rPr lang="en-US" dirty="0" smtClean="0"/>
+              <a:t>All data in a single structure</a:t>
+            </a:r>
+          </a:p>
+          <a:p>
+            <a:pPr lvl="0"/>
+            <a:r>
+              <a:rPr lang="en-US" dirty="0" smtClean="0"/>
+              <a:t>Data spread over multiple structures that reference each other [rare]</a:t>
+            </a:r>
+          </a:p>
+          <a:p>
+            <a:pPr lvl="0"/>
+            <a:r>
+              <a:rPr lang="en-US" dirty="0" smtClean="0"/>
+              <a:t>JSON or XML</a:t>
+            </a:r>
+          </a:p>
+          <a:p>
+            <a:endParaRPr lang="en-US" dirty="0" smtClean="0"/>
+          </a:p>
+          <a:p>
+            <a:endParaRPr lang="en-US" dirty="0"/>
+          </a:p>
+        </p:txBody>
+      </p:sp>
+      <p:sp>
+        <p:nvSpPr>
+          <p:cNvPr id="4" name="Slide Number Placeholder 3"/>
+          <p:cNvSpPr>
+            <a:spLocks noGrp="1"/>
+          </p:cNvSpPr>
+          <p:nvPr>
+            <p:ph type="sldNum" sz="quarter" idx="10"/>
+          </p:nvPr>
+        </p:nvSpPr>
+        <p:spPr/>
+        <p:txBody>
+          <a:bodyPr/>
+          <a:lstStyle/>
+          <a:p>
+            <a:fld id="{FD66F34B-9C4D-8640-BB34-4C24A79C9FFB}" type="slidenum">
+              <a:rPr lang="en-US" smtClean="0"/>
+              <a:t>3</a:t>
+            </a:fld>
+            <a:endParaRPr lang="en-US"/>
+          </a:p>
+        </p:txBody>
+      </p:sp>
+    </p:spTree>
+    <p:extLst>
+      <p:ext uri="{BB962C8B-B14F-4D97-AF65-F5344CB8AC3E}">
+        <p14:creationId xmlns:p14="http://schemas.microsoft.com/office/powerpoint/2010/main" val="4114744975"/>
+      </p:ext>
+    </p:extLst>
+  </p:cSld>
+  <p:clrMapOvr>
+    <a:masterClrMapping/>
+  </p:clrMapOvr>
+</p:notes>
+</file>
+
 <file path=ppt/slideLayouts/slideLayout1.xml><?xml version="1.0" encoding="utf-8"?>
 <p:sldLayout xmlns:a="http://schemas.openxmlformats.org/drawingml/2006/main" xmlns:r="http://schemas.openxmlformats.org/officeDocument/2006/relationships" xmlns:p="http://schemas.openxmlformats.org/presentationml/2006/main" preserve="1" userDrawn="1">
   <p:cSld name="Title Slide">
@@ -1151,7 +1300,7 @@
             <a:fld id="{FA3C144B-2939-9A49-B014-915EC3E81866}" type="datetime1">
               <a:rPr lang="en-US" smtClean="0"/>
               <a:pPr/>
-              <a:t>1/22/16</a:t>
+              <a:t>1/26/16</a:t>
             </a:fld>
             <a:endParaRPr lang="en-US" dirty="0"/>
           </a:p>
@@ -1580,7 +1729,7 @@
           <a:p>
             <a:fld id="{76838339-A875-5E45-AB3F-AAABD270346A}" type="datetime1">
               <a:rPr lang="en-US" smtClean="0"/>
-              <a:t>1/22/16</a:t>
+              <a:t>1/26/16</a:t>
             </a:fld>
             <a:endParaRPr lang="en-US"/>
           </a:p>
@@ -1866,7 +2015,7 @@
             <a:fld id="{FA3C144B-2939-9A49-B014-915EC3E81866}" type="datetime1">
               <a:rPr lang="en-US" smtClean="0"/>
               <a:pPr/>
-              <a:t>1/22/16</a:t>
+              <a:t>1/26/16</a:t>
             </a:fld>
             <a:endParaRPr lang="en-US" dirty="0"/>
           </a:p>
@@ -2348,7 +2497,7 @@
           <a:p>
             <a:fld id="{A73F672F-A5FB-5745-934A-1BF51CA5539C}" type="datetime1">
               <a:rPr lang="en-US" smtClean="0"/>
-              <a:t>1/22/16</a:t>
+              <a:t>1/26/16</a:t>
             </a:fld>
             <a:endParaRPr lang="en-US"/>
           </a:p>
@@ -2690,7 +2839,7 @@
             <a:fld id="{FA3C144B-2939-9A49-B014-915EC3E81866}" type="datetime1">
               <a:rPr lang="en-US" smtClean="0"/>
               <a:pPr/>
-              <a:t>1/22/16</a:t>
+              <a:t>1/26/16</a:t>
             </a:fld>
             <a:endParaRPr lang="en-US" dirty="0"/>
           </a:p>
@@ -3154,7 +3303,7 @@
           <a:p>
             <a:fld id="{6AFE6A63-5EBE-3E48-B0AE-DF655A1ECE76}" type="datetime1">
               <a:rPr lang="en-US" smtClean="0"/>
-              <a:t>1/22/16</a:t>
+              <a:t>1/26/16</a:t>
             </a:fld>
             <a:endParaRPr lang="en-US"/>
           </a:p>
@@ -3473,7 +3622,7 @@
           <a:p>
             <a:fld id="{4A019F0C-9D18-B54A-9AC9-18AA74EDB034}" type="datetime1">
               <a:rPr lang="en-US" smtClean="0"/>
-              <a:t>1/22/16</a:t>
+              <a:t>1/26/16</a:t>
             </a:fld>
             <a:endParaRPr lang="en-US"/>
           </a:p>
@@ -3783,7 +3932,7 @@
             <a:fld id="{FA3C144B-2939-9A49-B014-915EC3E81866}" type="datetime1">
               <a:rPr lang="en-US" smtClean="0"/>
               <a:pPr/>
-              <a:t>1/22/16</a:t>
+              <a:t>1/26/16</a:t>
             </a:fld>
             <a:endParaRPr lang="en-US" dirty="0"/>
           </a:p>
@@ -4046,7 +4195,7 @@
           <a:p>
             <a:fld id="{FA3C144B-2939-9A49-B014-915EC3E81866}" type="datetime1">
               <a:rPr lang="en-US" smtClean="0"/>
-              <a:t>1/22/16</a:t>
+              <a:t>1/26/16</a:t>
             </a:fld>
             <a:endParaRPr lang="en-US" dirty="0"/>
           </a:p>
@@ -4414,7 +4563,7 @@
           <a:p>
             <a:fld id="{7053BEFA-1175-F644-B249-7D41D72BD3FF}" type="datetime1">
               <a:rPr lang="en-US" smtClean="0"/>
-              <a:t>1/22/16</a:t>
+              <a:t>1/26/16</a:t>
             </a:fld>
             <a:endParaRPr lang="en-US"/>
           </a:p>
@@ -4533,7 +4682,7 @@
             <a:fld id="{FA3C144B-2939-9A49-B014-915EC3E81866}" type="datetime1">
               <a:rPr lang="en-US" smtClean="0"/>
               <a:pPr/>
-              <a:t>1/22/16</a:t>
+              <a:t>1/26/16</a:t>
             </a:fld>
             <a:endParaRPr lang="en-US" dirty="0"/>
           </a:p>
@@ -4750,7 +4899,7 @@
             <a:fld id="{FA3C144B-2939-9A49-B014-915EC3E81866}" type="datetime1">
               <a:rPr lang="en-US" smtClean="0"/>
               <a:pPr/>
-              <a:t>1/22/16</a:t>
+              <a:t>1/26/16</a:t>
             </a:fld>
             <a:endParaRPr lang="en-US" dirty="0"/>
           </a:p>
@@ -4995,7 +5144,7 @@
             <a:fld id="{FA3C144B-2939-9A49-B014-915EC3E81866}" type="datetime1">
               <a:rPr lang="en-US" smtClean="0"/>
               <a:pPr/>
-              <a:t>1/22/16</a:t>
+              <a:t>1/26/16</a:t>
             </a:fld>
             <a:endParaRPr lang="en-US" dirty="0"/>
           </a:p>
@@ -5373,7 +5522,7 @@
           <a:p>
             <a:fld id="{111EEF3B-ABF2-AA4E-9E24-0C6256942674}" type="datetime1">
               <a:rPr lang="en-US" smtClean="0"/>
-              <a:t>1/22/16</a:t>
+              <a:t>1/26/16</a:t>
             </a:fld>
             <a:endParaRPr lang="en-US"/>
           </a:p>
@@ -5537,7 +5686,7 @@
             <a:fld id="{FA3C144B-2939-9A49-B014-915EC3E81866}" type="datetime1">
               <a:rPr lang="en-US" smtClean="0"/>
               <a:pPr/>
-              <a:t>1/22/16</a:t>
+              <a:t>1/26/16</a:t>
             </a:fld>
             <a:endParaRPr lang="en-US" dirty="0"/>
           </a:p>
@@ -5954,7 +6103,7 @@
             <a:fld id="{FA3C144B-2939-9A49-B014-915EC3E81866}" type="datetime1">
               <a:rPr lang="en-US" smtClean="0"/>
               <a:pPr/>
-              <a:t>1/22/16</a:t>
+              <a:t>1/26/16</a:t>
             </a:fld>
             <a:endParaRPr lang="en-US" dirty="0"/>
           </a:p>
@@ -6270,7 +6419,7 @@
             <a:fld id="{FA3C144B-2939-9A49-B014-915EC3E81866}" type="datetime1">
               <a:rPr lang="en-US" smtClean="0"/>
               <a:pPr/>
-              <a:t>1/22/16</a:t>
+              <a:t>1/26/16</a:t>
             </a:fld>
             <a:endParaRPr lang="en-US" dirty="0"/>
           </a:p>
@@ -6936,7 +7085,7 @@
             <a:fld id="{FA3C144B-2939-9A49-B014-915EC3E81866}" type="datetime1">
               <a:rPr lang="en-US" smtClean="0"/>
               <a:pPr/>
-              <a:t>1/22/16</a:t>
+              <a:t>1/26/16</a:t>
             </a:fld>
             <a:endParaRPr lang="en-US" dirty="0"/>
           </a:p>
@@ -8066,7 +8215,7 @@
           <a:p>
             <a:fld id="{7053BEFA-1175-F644-B249-7D41D72BD3FF}" type="datetime1">
               <a:rPr lang="en-US" smtClean="0"/>
-              <a:t>1/22/16</a:t>
+              <a:t>1/26/16</a:t>
             </a:fld>
             <a:endParaRPr lang="en-US"/>
           </a:p>
@@ -8168,7 +8317,7 @@
           <a:p>
             <a:r>
               <a:rPr lang="en-US" dirty="0" smtClean="0"/>
-              <a:t>Byte 1 Grading</a:t>
+              <a:t>Quiz</a:t>
             </a:r>
             <a:endParaRPr lang="en-US" dirty="0"/>
           </a:p>
@@ -8194,27 +8343,34 @@
             </a:pPr>
             <a:r>
               <a:rPr lang="en-US" dirty="0" smtClean="0"/>
-              <a:t>80% average of your peers</a:t>
-            </a:r>
-          </a:p>
-          <a:p>
-            <a:pPr marL="0" indent="0">
-              <a:buNone/>
-            </a:pPr>
-            <a:r>
-              <a:rPr lang="en-US" dirty="0" smtClean="0"/>
-              <a:t>10% based on whether you graded peers AND gave feedback at least some of </a:t>
-            </a:r>
-            <a:r>
-              <a:rPr lang="en-US" smtClean="0"/>
-              <a:t>the time</a:t>
-            </a:r>
-            <a:endParaRPr lang="en-US" dirty="0" smtClean="0"/>
-          </a:p>
-          <a:p>
-            <a:pPr marL="0" indent="0">
-              <a:buNone/>
-            </a:pPr>
+              <a:t>(2 </a:t>
+            </a:r>
+            <a:r>
+              <a:rPr lang="en-US" dirty="0"/>
+              <a:t>points) In what way is the data returned by a typical API call different from how data is modeled in the underlying database? (check all correct answers</a:t>
+            </a:r>
+            <a:r>
+              <a:rPr lang="en-US" dirty="0" smtClean="0"/>
+              <a:t>)</a:t>
+            </a:r>
+          </a:p>
+          <a:p>
+            <a:r>
+              <a:rPr lang="en-US" dirty="0" smtClean="0"/>
+              <a:t>Data in a single structure</a:t>
+            </a:r>
+          </a:p>
+          <a:p>
+            <a:r>
+              <a:rPr lang="en-US" dirty="0" smtClean="0"/>
+              <a:t>Data in multiple structures</a:t>
+            </a:r>
+          </a:p>
+          <a:p>
+            <a:r>
+              <a:rPr lang="en-US" dirty="0" smtClean="0"/>
+              <a:t>JSON or XML</a:t>
+            </a:r>
             <a:endParaRPr lang="en-US" dirty="0"/>
           </a:p>
         </p:txBody>
@@ -8236,7 +8392,7 @@
           <a:p>
             <a:fld id="{7053BEFA-1175-F644-B249-7D41D72BD3FF}" type="datetime1">
               <a:rPr lang="en-US" smtClean="0"/>
-              <a:t>1/22/16</a:t>
+              <a:t>1/26/16</a:t>
             </a:fld>
             <a:endParaRPr lang="en-US"/>
           </a:p>
@@ -8287,7 +8443,7 @@
     </p:spTree>
     <p:extLst>
       <p:ext uri="{BB962C8B-B14F-4D97-AF65-F5344CB8AC3E}">
-        <p14:creationId xmlns:p14="http://schemas.microsoft.com/office/powerpoint/2010/main" val="3670511026"/>
+        <p14:creationId xmlns:p14="http://schemas.microsoft.com/office/powerpoint/2010/main" val="670649450"/>
       </p:ext>
     </p:extLst>
   </p:cSld>
@@ -8338,7 +8494,7 @@
           <a:p>
             <a:r>
               <a:rPr lang="en-US" dirty="0" smtClean="0"/>
-              <a:t>Byte 1 Grading</a:t>
+              <a:t>Advantages of semi structured…</a:t>
             </a:r>
             <a:endParaRPr lang="en-US" dirty="0"/>
           </a:p>
@@ -8359,77 +8515,7 @@
           <a:bodyPr/>
           <a:lstStyle/>
           <a:p>
-            <a:pPr marL="0" indent="0">
-              <a:buNone/>
-            </a:pPr>
-            <a:r>
-              <a:rPr lang="en-US" dirty="0"/>
-              <a:t>Peer grades ignored if they gave you a 0 or gave every single person 100% on every single question</a:t>
-            </a:r>
-          </a:p>
-          <a:p>
-            <a:pPr marL="0" indent="0">
-              <a:buNone/>
-            </a:pPr>
-            <a:r>
-              <a:rPr lang="en-US" dirty="0"/>
-              <a:t>I looked carefully at any peer graders with a VERY high </a:t>
-            </a:r>
-            <a:r>
-              <a:rPr lang="en-US" dirty="0" err="1"/>
-              <a:t>std</a:t>
-            </a:r>
-            <a:r>
-              <a:rPr lang="en-US" dirty="0"/>
-              <a:t> </a:t>
-            </a:r>
-            <a:r>
-              <a:rPr lang="en-US" dirty="0" err="1"/>
-              <a:t>dev</a:t>
-            </a:r>
-            <a:r>
-              <a:rPr lang="en-US" dirty="0"/>
-              <a:t> or </a:t>
-            </a:r>
-            <a:r>
-              <a:rPr lang="en-US" dirty="0" smtClean="0"/>
-              <a:t>any ‘</a:t>
-            </a:r>
-            <a:r>
-              <a:rPr lang="en-US" dirty="0" err="1" smtClean="0"/>
-              <a:t>gradees</a:t>
-            </a:r>
-            <a:r>
-              <a:rPr lang="en-US" dirty="0" smtClean="0"/>
-              <a:t>’ </a:t>
-            </a:r>
-            <a:r>
-              <a:rPr lang="en-US" dirty="0"/>
-              <a:t>with a VERY high </a:t>
-            </a:r>
-            <a:r>
-              <a:rPr lang="en-US" dirty="0" err="1"/>
-              <a:t>std</a:t>
-            </a:r>
-            <a:r>
-              <a:rPr lang="en-US" dirty="0"/>
-              <a:t> </a:t>
-            </a:r>
-            <a:r>
-              <a:rPr lang="en-US" dirty="0" err="1"/>
-              <a:t>dev</a:t>
-            </a:r>
-            <a:endParaRPr lang="en-US" dirty="0"/>
-          </a:p>
-          <a:p>
-            <a:pPr marL="0" indent="0">
-              <a:buNone/>
-            </a:pPr>
-            <a:r>
-              <a:rPr lang="en-US" i="1" dirty="0" smtClean="0"/>
-              <a:t>Can you see each other’s feedback after I ‘release’ peer grades? If not I will write a script to share it with you</a:t>
-            </a:r>
-            <a:endParaRPr lang="en-US" i="1" dirty="0" smtClean="0"/>
+            <a:endParaRPr lang="en-US"/>
           </a:p>
         </p:txBody>
       </p:sp>
@@ -8450,7 +8536,7 @@
           <a:p>
             <a:fld id="{7053BEFA-1175-F644-B249-7D41D72BD3FF}" type="datetime1">
               <a:rPr lang="en-US" smtClean="0"/>
-              <a:t>1/23/16</a:t>
+              <a:t>1/26/16</a:t>
             </a:fld>
             <a:endParaRPr lang="en-US"/>
           </a:p>
@@ -8501,7 +8587,7 @@
     </p:spTree>
     <p:extLst>
       <p:ext uri="{BB962C8B-B14F-4D97-AF65-F5344CB8AC3E}">
-        <p14:creationId xmlns:p14="http://schemas.microsoft.com/office/powerpoint/2010/main" val="2591907767"/>
+        <p14:creationId xmlns:p14="http://schemas.microsoft.com/office/powerpoint/2010/main" val="2755551622"/>
       </p:ext>
     </p:extLst>
   </p:cSld>
@@ -8552,15 +8638,7 @@
           <a:p>
             <a:r>
               <a:rPr lang="en-US" dirty="0" smtClean="0"/>
-              <a:t>Byte </a:t>
-            </a:r>
-            <a:r>
-              <a:rPr lang="en-US" dirty="0" smtClean="0"/>
-              <a:t>1 </a:t>
-            </a:r>
-            <a:r>
-              <a:rPr lang="en-US" dirty="0" smtClean="0"/>
-              <a:t>Examples	</a:t>
+              <a:t>Byte 1 Grading</a:t>
             </a:r>
             <a:endParaRPr lang="en-US" dirty="0"/>
           </a:p>
@@ -8581,6 +8659,32 @@
           <a:bodyPr/>
           <a:lstStyle/>
           <a:p>
+            <a:pPr marL="0" indent="0">
+              <a:buNone/>
+            </a:pPr>
+            <a:r>
+              <a:rPr lang="en-US" dirty="0" smtClean="0"/>
+              <a:t>80% average of your peers</a:t>
+            </a:r>
+          </a:p>
+          <a:p>
+            <a:pPr marL="0" indent="0">
+              <a:buNone/>
+            </a:pPr>
+            <a:r>
+              <a:rPr lang="en-US" dirty="0" smtClean="0"/>
+              <a:t>10% based on whether you graded peers AND gave feedback at least some of </a:t>
+            </a:r>
+            <a:r>
+              <a:rPr lang="en-US" smtClean="0"/>
+              <a:t>the time</a:t>
+            </a:r>
+            <a:endParaRPr lang="en-US" dirty="0" smtClean="0"/>
+          </a:p>
+          <a:p>
+            <a:pPr marL="0" indent="0">
+              <a:buNone/>
+            </a:pPr>
             <a:endParaRPr lang="en-US" dirty="0"/>
           </a:p>
         </p:txBody>
@@ -8602,7 +8706,7 @@
           <a:p>
             <a:fld id="{7053BEFA-1175-F644-B249-7D41D72BD3FF}" type="datetime1">
               <a:rPr lang="en-US" smtClean="0"/>
-              <a:t>1/22/16</a:t>
+              <a:t>1/26/16</a:t>
             </a:fld>
             <a:endParaRPr lang="en-US"/>
           </a:p>
@@ -8645,6 +8749,363 @@
             <a:fld id="{17E276FA-8F89-B34D-A726-BE3FA1F8DD97}" type="slidenum">
               <a:rPr lang="en-US" smtClean="0"/>
               <a:t>5</a:t>
+            </a:fld>
+            <a:endParaRPr lang="en-US" dirty="0"/>
+          </a:p>
+        </p:txBody>
+      </p:sp>
+    </p:spTree>
+    <p:extLst>
+      <p:ext uri="{BB962C8B-B14F-4D97-AF65-F5344CB8AC3E}">
+        <p14:creationId xmlns:p14="http://schemas.microsoft.com/office/powerpoint/2010/main" val="3670511026"/>
+      </p:ext>
+    </p:extLst>
+  </p:cSld>
+  <p:clrMapOvr>
+    <a:masterClrMapping/>
+  </p:clrMapOvr>
+  <p:timing>
+    <p:tnLst>
+      <p:par>
+        <p:cTn xmlns:p14="http://schemas.microsoft.com/office/powerpoint/2010/main" id="1" dur="indefinite" restart="never" nodeType="tmRoot"/>
+      </p:par>
+    </p:tnLst>
+  </p:timing>
+</p:sld>
+</file>
+
+<file path=ppt/slides/slide6.xml><?xml version="1.0" encoding="utf-8"?>
+<p:sld xmlns:a="http://schemas.openxmlformats.org/drawingml/2006/main" xmlns:r="http://schemas.openxmlformats.org/officeDocument/2006/relationships" xmlns:p="http://schemas.openxmlformats.org/presentationml/2006/main">
+  <p:cSld>
+    <p:spTree>
+      <p:nvGrpSpPr>
+        <p:cNvPr id="1" name=""/>
+        <p:cNvGrpSpPr/>
+        <p:nvPr/>
+      </p:nvGrpSpPr>
+      <p:grpSpPr>
+        <a:xfrm>
+          <a:off x="0" y="0"/>
+          <a:ext cx="0" cy="0"/>
+          <a:chOff x="0" y="0"/>
+          <a:chExt cx="0" cy="0"/>
+        </a:xfrm>
+      </p:grpSpPr>
+      <p:sp>
+        <p:nvSpPr>
+          <p:cNvPr id="2" name="Title 1"/>
+          <p:cNvSpPr>
+            <a:spLocks noGrp="1"/>
+          </p:cNvSpPr>
+          <p:nvPr>
+            <p:ph type="title"/>
+          </p:nvPr>
+        </p:nvSpPr>
+        <p:spPr/>
+        <p:txBody>
+          <a:bodyPr/>
+          <a:lstStyle/>
+          <a:p>
+            <a:r>
+              <a:rPr lang="en-US" dirty="0" smtClean="0"/>
+              <a:t>Byte 1 Grading</a:t>
+            </a:r>
+            <a:endParaRPr lang="en-US" dirty="0"/>
+          </a:p>
+        </p:txBody>
+      </p:sp>
+      <p:sp>
+        <p:nvSpPr>
+          <p:cNvPr id="3" name="Content Placeholder 2"/>
+          <p:cNvSpPr>
+            <a:spLocks noGrp="1"/>
+          </p:cNvSpPr>
+          <p:nvPr>
+            <p:ph idx="1"/>
+          </p:nvPr>
+        </p:nvSpPr>
+        <p:spPr/>
+        <p:txBody>
+          <a:bodyPr/>
+          <a:lstStyle/>
+          <a:p>
+            <a:pPr marL="0" indent="0">
+              <a:buNone/>
+            </a:pPr>
+            <a:r>
+              <a:rPr lang="en-US" dirty="0"/>
+              <a:t>Peer grades ignored if they gave you a 0 or gave every single person 100% on every single question</a:t>
+            </a:r>
+          </a:p>
+          <a:p>
+            <a:pPr marL="0" indent="0">
+              <a:buNone/>
+            </a:pPr>
+            <a:r>
+              <a:rPr lang="en-US" dirty="0"/>
+              <a:t>I looked carefully at any peer graders with a VERY high </a:t>
+            </a:r>
+            <a:r>
+              <a:rPr lang="en-US" dirty="0" err="1"/>
+              <a:t>std</a:t>
+            </a:r>
+            <a:r>
+              <a:rPr lang="en-US" dirty="0"/>
+              <a:t> </a:t>
+            </a:r>
+            <a:r>
+              <a:rPr lang="en-US" dirty="0" err="1"/>
+              <a:t>dev</a:t>
+            </a:r>
+            <a:r>
+              <a:rPr lang="en-US" dirty="0"/>
+              <a:t> or </a:t>
+            </a:r>
+            <a:r>
+              <a:rPr lang="en-US" dirty="0" smtClean="0"/>
+              <a:t>any ‘</a:t>
+            </a:r>
+            <a:r>
+              <a:rPr lang="en-US" dirty="0" err="1" smtClean="0"/>
+              <a:t>gradees</a:t>
+            </a:r>
+            <a:r>
+              <a:rPr lang="en-US" dirty="0" smtClean="0"/>
+              <a:t>’ </a:t>
+            </a:r>
+            <a:r>
+              <a:rPr lang="en-US" dirty="0"/>
+              <a:t>with a VERY high </a:t>
+            </a:r>
+            <a:r>
+              <a:rPr lang="en-US" dirty="0" err="1"/>
+              <a:t>std</a:t>
+            </a:r>
+            <a:r>
+              <a:rPr lang="en-US" dirty="0"/>
+              <a:t> </a:t>
+            </a:r>
+            <a:r>
+              <a:rPr lang="en-US" dirty="0" err="1"/>
+              <a:t>dev</a:t>
+            </a:r>
+            <a:endParaRPr lang="en-US" dirty="0"/>
+          </a:p>
+          <a:p>
+            <a:pPr marL="0" indent="0">
+              <a:buNone/>
+            </a:pPr>
+            <a:r>
+              <a:rPr lang="en-US" i="1" dirty="0" smtClean="0"/>
+              <a:t>Can you see each other’s feedback after I ‘release’ peer grades? If not I will write a script to share it with you</a:t>
+            </a:r>
+          </a:p>
+        </p:txBody>
+      </p:sp>
+      <p:sp>
+        <p:nvSpPr>
+          <p:cNvPr id="4" name="Date Placeholder 3"/>
+          <p:cNvSpPr>
+            <a:spLocks noGrp="1"/>
+          </p:cNvSpPr>
+          <p:nvPr>
+            <p:ph type="dt" sz="half" idx="10"/>
+          </p:nvPr>
+        </p:nvSpPr>
+        <p:spPr/>
+        <p:txBody>
+          <a:bodyPr/>
+          <a:lstStyle/>
+          <a:p>
+            <a:fld id="{7053BEFA-1175-F644-B249-7D41D72BD3FF}" type="datetime1">
+              <a:rPr lang="en-US" smtClean="0"/>
+              <a:t>1/26/16</a:t>
+            </a:fld>
+            <a:endParaRPr lang="en-US"/>
+          </a:p>
+        </p:txBody>
+      </p:sp>
+      <p:sp>
+        <p:nvSpPr>
+          <p:cNvPr id="5" name="Footer Placeholder 4"/>
+          <p:cNvSpPr>
+            <a:spLocks noGrp="1"/>
+          </p:cNvSpPr>
+          <p:nvPr>
+            <p:ph type="ftr" sz="quarter" idx="11"/>
+          </p:nvPr>
+        </p:nvSpPr>
+        <p:spPr/>
+        <p:txBody>
+          <a:bodyPr/>
+          <a:lstStyle/>
+          <a:p>
+            <a:endParaRPr lang="en-US" dirty="0"/>
+          </a:p>
+        </p:txBody>
+      </p:sp>
+      <p:sp>
+        <p:nvSpPr>
+          <p:cNvPr id="6" name="Slide Number Placeholder 5"/>
+          <p:cNvSpPr>
+            <a:spLocks noGrp="1"/>
+          </p:cNvSpPr>
+          <p:nvPr>
+            <p:ph type="sldNum" sz="quarter" idx="12"/>
+          </p:nvPr>
+        </p:nvSpPr>
+        <p:spPr/>
+        <p:txBody>
+          <a:bodyPr/>
+          <a:lstStyle/>
+          <a:p>
+            <a:fld id="{17E276FA-8F89-B34D-A726-BE3FA1F8DD97}" type="slidenum">
+              <a:rPr lang="en-US" smtClean="0"/>
+              <a:t>6</a:t>
+            </a:fld>
+            <a:endParaRPr lang="en-US" dirty="0"/>
+          </a:p>
+        </p:txBody>
+      </p:sp>
+    </p:spTree>
+    <p:extLst>
+      <p:ext uri="{BB962C8B-B14F-4D97-AF65-F5344CB8AC3E}">
+        <p14:creationId xmlns:p14="http://schemas.microsoft.com/office/powerpoint/2010/main" val="2591907767"/>
+      </p:ext>
+    </p:extLst>
+  </p:cSld>
+  <p:clrMapOvr>
+    <a:masterClrMapping/>
+  </p:clrMapOvr>
+  <p:timing>
+    <p:tnLst>
+      <p:par>
+        <p:cTn xmlns:p14="http://schemas.microsoft.com/office/powerpoint/2010/main" id="1" dur="indefinite" restart="never" nodeType="tmRoot"/>
+      </p:par>
+    </p:tnLst>
+  </p:timing>
+</p:sld>
+</file>
+
+<file path=ppt/slides/slide7.xml><?xml version="1.0" encoding="utf-8"?>
+<p:sld xmlns:a="http://schemas.openxmlformats.org/drawingml/2006/main" xmlns:r="http://schemas.openxmlformats.org/officeDocument/2006/relationships" xmlns:p="http://schemas.openxmlformats.org/presentationml/2006/main">
+  <p:cSld>
+    <p:spTree>
+      <p:nvGrpSpPr>
+        <p:cNvPr id="1" name=""/>
+        <p:cNvGrpSpPr/>
+        <p:nvPr/>
+      </p:nvGrpSpPr>
+      <p:grpSpPr>
+        <a:xfrm>
+          <a:off x="0" y="0"/>
+          <a:ext cx="0" cy="0"/>
+          <a:chOff x="0" y="0"/>
+          <a:chExt cx="0" cy="0"/>
+        </a:xfrm>
+      </p:grpSpPr>
+      <p:sp>
+        <p:nvSpPr>
+          <p:cNvPr id="2" name="Title 1"/>
+          <p:cNvSpPr>
+            <a:spLocks noGrp="1"/>
+          </p:cNvSpPr>
+          <p:nvPr>
+            <p:ph type="title"/>
+          </p:nvPr>
+        </p:nvSpPr>
+        <p:spPr/>
+        <p:txBody>
+          <a:bodyPr/>
+          <a:lstStyle/>
+          <a:p>
+            <a:r>
+              <a:rPr lang="en-US" dirty="0" smtClean="0"/>
+              <a:t>Byte 1 Examples	</a:t>
+            </a:r>
+            <a:endParaRPr lang="en-US" dirty="0"/>
+          </a:p>
+        </p:txBody>
+      </p:sp>
+      <p:sp>
+        <p:nvSpPr>
+          <p:cNvPr id="3" name="Content Placeholder 2"/>
+          <p:cNvSpPr>
+            <a:spLocks noGrp="1"/>
+          </p:cNvSpPr>
+          <p:nvPr>
+            <p:ph idx="1"/>
+          </p:nvPr>
+        </p:nvSpPr>
+        <p:spPr/>
+        <p:txBody>
+          <a:bodyPr/>
+          <a:lstStyle/>
+          <a:p>
+            <a:endParaRPr lang="en-US" dirty="0"/>
+          </a:p>
+        </p:txBody>
+      </p:sp>
+      <p:sp>
+        <p:nvSpPr>
+          <p:cNvPr id="4" name="Date Placeholder 3"/>
+          <p:cNvSpPr>
+            <a:spLocks noGrp="1"/>
+          </p:cNvSpPr>
+          <p:nvPr>
+            <p:ph type="dt" sz="half" idx="10"/>
+          </p:nvPr>
+        </p:nvSpPr>
+        <p:spPr/>
+        <p:txBody>
+          <a:bodyPr/>
+          <a:lstStyle/>
+          <a:p>
+            <a:fld id="{7053BEFA-1175-F644-B249-7D41D72BD3FF}" type="datetime1">
+              <a:rPr lang="en-US" smtClean="0"/>
+              <a:t>1/26/16</a:t>
+            </a:fld>
+            <a:endParaRPr lang="en-US"/>
+          </a:p>
+        </p:txBody>
+      </p:sp>
+      <p:sp>
+        <p:nvSpPr>
+          <p:cNvPr id="5" name="Footer Placeholder 4"/>
+          <p:cNvSpPr>
+            <a:spLocks noGrp="1"/>
+          </p:cNvSpPr>
+          <p:nvPr>
+            <p:ph type="ftr" sz="quarter" idx="11"/>
+          </p:nvPr>
+        </p:nvSpPr>
+        <p:spPr/>
+        <p:txBody>
+          <a:bodyPr/>
+          <a:lstStyle/>
+          <a:p>
+            <a:endParaRPr lang="en-US" dirty="0"/>
+          </a:p>
+        </p:txBody>
+      </p:sp>
+      <p:sp>
+        <p:nvSpPr>
+          <p:cNvPr id="6" name="Slide Number Placeholder 5"/>
+          <p:cNvSpPr>
+            <a:spLocks noGrp="1"/>
+          </p:cNvSpPr>
+          <p:nvPr>
+            <p:ph type="sldNum" sz="quarter" idx="12"/>
+          </p:nvPr>
+        </p:nvSpPr>
+        <p:spPr/>
+        <p:txBody>
+          <a:bodyPr/>
+          <a:lstStyle/>
+          <a:p>
+            <a:fld id="{17E276FA-8F89-B34D-A726-BE3FA1F8DD97}" type="slidenum">
+              <a:rPr lang="en-US" smtClean="0"/>
+              <a:t>7</a:t>
             </a:fld>
             <a:endParaRPr lang="en-US" dirty="0"/>
           </a:p>
@@ -8660,6 +9121,13 @@
   <p:clrMapOvr>
     <a:masterClrMapping/>
   </p:clrMapOvr>
+  <p:timing>
+    <p:tnLst>
+      <p:par>
+        <p:cTn xmlns:p14="http://schemas.microsoft.com/office/powerpoint/2010/main" id="1" dur="indefinite" restart="never" nodeType="tmRoot"/>
+      </p:par>
+    </p:tnLst>
+  </p:timing>
 </p:sld>
 </file>
 
